--- a/docs/slides.pptx
+++ b/docs/slides.pptx
@@ -3376,6 +3376,13 @@
             <a:r>
               <a:rPr/>
               <a:t>Bullet 3</a:t>
+            </a:r>
+          </a:p>
+          <a:p>
+            <a:pPr lvl="1"/>
+            <a:r>
+              <a:rPr/>
+              <a:t>日本語をまぜる</a:t>
             </a:r>
           </a:p>
         </p:txBody>
